--- a/test/test_out.pptx
+++ b/test/test_out.pptx
@@ -3105,7 +3105,7 @@
           <a:lstStyle/>
           <a:p>
             <a:r>
-              <a:t>Built on 20152102_182749</a:t>
+              <a:t>Built on 20152102_195854</a:t>
             </a:r>
           </a:p>
         </p:txBody>
